--- a/HowMuchDoYouKnowReadME.pptx
+++ b/HowMuchDoYouKnowReadME.pptx
@@ -106,6 +106,11 @@
       </a:defRPr>
     </a:lvl9pPr>
   </p:defaultTextStyle>
+  <p:extLst>
+    <p:ext uri="{EFAFB233-063F-42B5-8137-9DF3F51BA10A}">
+      <p15:sldGuideLst xmlns:p15="http://schemas.microsoft.com/office/powerpoint/2012/main"/>
+    </p:ext>
+  </p:extLst>
 </p:presentation>
 </file>
 
@@ -4279,6 +4284,42 @@
           <a:chExt cx="0" cy="0"/>
         </a:xfrm>
       </p:grpSpPr>
+      <p:sp>
+        <p:nvSpPr>
+          <p:cNvPr id="2" name="Title 1">
+            <a:extLst>
+              <a:ext uri="{FF2B5EF4-FFF2-40B4-BE49-F238E27FC236}">
+                <a16:creationId xmlns:a16="http://schemas.microsoft.com/office/drawing/2014/main" id="{F0AB2737-0993-4953-92FC-32017BF93DE3}"/>
+              </a:ext>
+            </a:extLst>
+          </p:cNvPr>
+          <p:cNvSpPr>
+            <a:spLocks noGrp="1"/>
+          </p:cNvSpPr>
+          <p:nvPr>
+            <p:ph type="title"/>
+          </p:nvPr>
+        </p:nvSpPr>
+        <p:spPr>
+          <a:xfrm>
+            <a:off x="838200" y="365125"/>
+            <a:ext cx="10515600" cy="1325563"/>
+          </a:xfrm>
+        </p:spPr>
+        <p:txBody>
+          <a:bodyPr>
+            <a:normAutofit/>
+          </a:bodyPr>
+          <a:lstStyle/>
+          <a:p>
+            <a:pPr algn="ctr"/>
+            <a:r>
+              <a:rPr lang="en-US" sz="3200" b="1" u="sng" dirty="0"/>
+              <a:t>a</a:t>
+            </a:r>
+          </a:p>
+        </p:txBody>
+      </p:sp>
     </p:spTree>
     <p:extLst>
       <p:ext uri="{BB962C8B-B14F-4D97-AF65-F5344CB8AC3E}">

--- a/HowMuchDoYouKnowReadME.pptx
+++ b/HowMuchDoYouKnowReadME.pptx
@@ -4314,9 +4314,12 @@
           <a:p>
             <a:pPr algn="ctr"/>
             <a:r>
-              <a:rPr lang="en-US" sz="3200" b="1" u="sng" dirty="0"/>
-              <a:t>a</a:t>
-            </a:r>
+              <a:rPr lang="en-US" sz="3200" dirty="0">
+                <a:hlinkClick r:id="rId2"/>
+              </a:rPr>
+              <a:t>https://www.youtube.com/watch?v=dQw4w9WgXcQ</a:t>
+            </a:r>
+            <a:endParaRPr lang="en-US" sz="3200" b="1" u="sng" dirty="0"/>
           </a:p>
         </p:txBody>
       </p:sp>

--- a/HowMuchDoYouKnowReadME.pptx
+++ b/HowMuchDoYouKnowReadME.pptx
@@ -261,7 +261,7 @@
           <a:p>
             <a:fld id="{849687D8-EE28-4AE6-AB2B-D52330F5A8AB}" type="datetimeFigureOut">
               <a:rPr lang="en-US" smtClean="0"/>
-              <a:t>7/24/2019</a:t>
+              <a:t>7/25/2019</a:t>
             </a:fld>
             <a:endParaRPr lang="en-US"/>
           </a:p>
@@ -459,7 +459,7 @@
           <a:p>
             <a:fld id="{849687D8-EE28-4AE6-AB2B-D52330F5A8AB}" type="datetimeFigureOut">
               <a:rPr lang="en-US" smtClean="0"/>
-              <a:t>7/24/2019</a:t>
+              <a:t>7/25/2019</a:t>
             </a:fld>
             <a:endParaRPr lang="en-US"/>
           </a:p>
@@ -667,7 +667,7 @@
           <a:p>
             <a:fld id="{849687D8-EE28-4AE6-AB2B-D52330F5A8AB}" type="datetimeFigureOut">
               <a:rPr lang="en-US" smtClean="0"/>
-              <a:t>7/24/2019</a:t>
+              <a:t>7/25/2019</a:t>
             </a:fld>
             <a:endParaRPr lang="en-US"/>
           </a:p>
@@ -865,7 +865,7 @@
           <a:p>
             <a:fld id="{849687D8-EE28-4AE6-AB2B-D52330F5A8AB}" type="datetimeFigureOut">
               <a:rPr lang="en-US" smtClean="0"/>
-              <a:t>7/24/2019</a:t>
+              <a:t>7/25/2019</a:t>
             </a:fld>
             <a:endParaRPr lang="en-US"/>
           </a:p>
@@ -1140,7 +1140,7 @@
           <a:p>
             <a:fld id="{849687D8-EE28-4AE6-AB2B-D52330F5A8AB}" type="datetimeFigureOut">
               <a:rPr lang="en-US" smtClean="0"/>
-              <a:t>7/24/2019</a:t>
+              <a:t>7/25/2019</a:t>
             </a:fld>
             <a:endParaRPr lang="en-US"/>
           </a:p>
@@ -1405,7 +1405,7 @@
           <a:p>
             <a:fld id="{849687D8-EE28-4AE6-AB2B-D52330F5A8AB}" type="datetimeFigureOut">
               <a:rPr lang="en-US" smtClean="0"/>
-              <a:t>7/24/2019</a:t>
+              <a:t>7/25/2019</a:t>
             </a:fld>
             <a:endParaRPr lang="en-US"/>
           </a:p>
@@ -1817,7 +1817,7 @@
           <a:p>
             <a:fld id="{849687D8-EE28-4AE6-AB2B-D52330F5A8AB}" type="datetimeFigureOut">
               <a:rPr lang="en-US" smtClean="0"/>
-              <a:t>7/24/2019</a:t>
+              <a:t>7/25/2019</a:t>
             </a:fld>
             <a:endParaRPr lang="en-US"/>
           </a:p>
@@ -1958,7 +1958,7 @@
           <a:p>
             <a:fld id="{849687D8-EE28-4AE6-AB2B-D52330F5A8AB}" type="datetimeFigureOut">
               <a:rPr lang="en-US" smtClean="0"/>
-              <a:t>7/24/2019</a:t>
+              <a:t>7/25/2019</a:t>
             </a:fld>
             <a:endParaRPr lang="en-US"/>
           </a:p>
@@ -2071,7 +2071,7 @@
           <a:p>
             <a:fld id="{849687D8-EE28-4AE6-AB2B-D52330F5A8AB}" type="datetimeFigureOut">
               <a:rPr lang="en-US" smtClean="0"/>
-              <a:t>7/24/2019</a:t>
+              <a:t>7/25/2019</a:t>
             </a:fld>
             <a:endParaRPr lang="en-US"/>
           </a:p>
@@ -2382,7 +2382,7 @@
           <a:p>
             <a:fld id="{849687D8-EE28-4AE6-AB2B-D52330F5A8AB}" type="datetimeFigureOut">
               <a:rPr lang="en-US" smtClean="0"/>
-              <a:t>7/24/2019</a:t>
+              <a:t>7/25/2019</a:t>
             </a:fld>
             <a:endParaRPr lang="en-US"/>
           </a:p>
@@ -2670,7 +2670,7 @@
           <a:p>
             <a:fld id="{849687D8-EE28-4AE6-AB2B-D52330F5A8AB}" type="datetimeFigureOut">
               <a:rPr lang="en-US" smtClean="0"/>
-              <a:t>7/24/2019</a:t>
+              <a:t>7/25/2019</a:t>
             </a:fld>
             <a:endParaRPr lang="en-US"/>
           </a:p>
@@ -2911,7 +2911,7 @@
           <a:p>
             <a:fld id="{849687D8-EE28-4AE6-AB2B-D52330F5A8AB}" type="datetimeFigureOut">
               <a:rPr lang="en-US" smtClean="0"/>
-              <a:t>7/24/2019</a:t>
+              <a:t>7/25/2019</a:t>
             </a:fld>
             <a:endParaRPr lang="en-US"/>
           </a:p>
@@ -4284,45 +4284,6 @@
           <a:chExt cx="0" cy="0"/>
         </a:xfrm>
       </p:grpSpPr>
-      <p:sp>
-        <p:nvSpPr>
-          <p:cNvPr id="2" name="Title 1">
-            <a:extLst>
-              <a:ext uri="{FF2B5EF4-FFF2-40B4-BE49-F238E27FC236}">
-                <a16:creationId xmlns:a16="http://schemas.microsoft.com/office/drawing/2014/main" id="{F0AB2737-0993-4953-92FC-32017BF93DE3}"/>
-              </a:ext>
-            </a:extLst>
-          </p:cNvPr>
-          <p:cNvSpPr>
-            <a:spLocks noGrp="1"/>
-          </p:cNvSpPr>
-          <p:nvPr>
-            <p:ph type="title"/>
-          </p:nvPr>
-        </p:nvSpPr>
-        <p:spPr>
-          <a:xfrm>
-            <a:off x="838200" y="365125"/>
-            <a:ext cx="10515600" cy="1325563"/>
-          </a:xfrm>
-        </p:spPr>
-        <p:txBody>
-          <a:bodyPr>
-            <a:normAutofit/>
-          </a:bodyPr>
-          <a:lstStyle/>
-          <a:p>
-            <a:pPr algn="ctr"/>
-            <a:r>
-              <a:rPr lang="en-US" sz="3200" dirty="0">
-                <a:hlinkClick r:id="rId2"/>
-              </a:rPr>
-              <a:t>https://www.youtube.com/watch?v=dQw4w9WgXcQ</a:t>
-            </a:r>
-            <a:endParaRPr lang="en-US" sz="3200" b="1" u="sng" dirty="0"/>
-          </a:p>
-        </p:txBody>
-      </p:sp>
     </p:spTree>
     <p:extLst>
       <p:ext uri="{BB962C8B-B14F-4D97-AF65-F5344CB8AC3E}">
